--- a/Präsentationen/Zwischenpräsentation.pptx
+++ b/Präsentationen/Zwischenpräsentation.pptx
@@ -216,7 +216,7 @@
           <a:p>
             <a:fld id="{AEC0146D-6AA8-3741-B310-7BE79915B5F9}" type="datetimeFigureOut">
               <a:rPr lang="en-US" smtClean="0"/>
-              <a:t>6/19/17</a:t>
+              <a:t>6/21/17</a:t>
             </a:fld>
             <a:endParaRPr lang="en-US"/>
           </a:p>
@@ -1229,7 +1229,7 @@
           <a:p>
             <a:fld id="{47106164-FC4F-8341-9BF7-6BFA5E1B9C49}" type="datetimeFigureOut">
               <a:rPr lang="de-DE" smtClean="0"/>
-              <a:t>19.06.17</a:t>
+              <a:t>21.06.17</a:t>
             </a:fld>
             <a:endParaRPr lang="de-DE"/>
           </a:p>
@@ -1475,7 +1475,7 @@
           <a:p>
             <a:fld id="{47106164-FC4F-8341-9BF7-6BFA5E1B9C49}" type="datetimeFigureOut">
               <a:rPr lang="de-DE" smtClean="0"/>
-              <a:t>19.06.17</a:t>
+              <a:t>21.06.17</a:t>
             </a:fld>
             <a:endParaRPr lang="de-DE"/>
           </a:p>
@@ -1784,7 +1784,7 @@
           <a:p>
             <a:fld id="{47106164-FC4F-8341-9BF7-6BFA5E1B9C49}" type="datetimeFigureOut">
               <a:rPr lang="de-DE" smtClean="0"/>
-              <a:t>19.06.17</a:t>
+              <a:t>21.06.17</a:t>
             </a:fld>
             <a:endParaRPr lang="de-DE"/>
           </a:p>
@@ -2112,7 +2112,7 @@
           <a:p>
             <a:fld id="{47106164-FC4F-8341-9BF7-6BFA5E1B9C49}" type="datetimeFigureOut">
               <a:rPr lang="de-DE" smtClean="0"/>
-              <a:t>19.06.17</a:t>
+              <a:t>21.06.17</a:t>
             </a:fld>
             <a:endParaRPr lang="de-DE"/>
           </a:p>
@@ -2421,7 +2421,7 @@
           <a:p>
             <a:fld id="{47106164-FC4F-8341-9BF7-6BFA5E1B9C49}" type="datetimeFigureOut">
               <a:rPr lang="de-DE" smtClean="0"/>
-              <a:t>19.06.17</a:t>
+              <a:t>21.06.17</a:t>
             </a:fld>
             <a:endParaRPr lang="de-DE"/>
           </a:p>
@@ -2809,7 +2809,7 @@
           <a:p>
             <a:fld id="{47106164-FC4F-8341-9BF7-6BFA5E1B9C49}" type="datetimeFigureOut">
               <a:rPr lang="de-DE" smtClean="0"/>
-              <a:t>19.06.17</a:t>
+              <a:t>21.06.17</a:t>
             </a:fld>
             <a:endParaRPr lang="de-DE"/>
           </a:p>
@@ -2974,7 +2974,7 @@
           <a:p>
             <a:fld id="{47106164-FC4F-8341-9BF7-6BFA5E1B9C49}" type="datetimeFigureOut">
               <a:rPr lang="de-DE" smtClean="0"/>
-              <a:t>19.06.17</a:t>
+              <a:t>21.06.17</a:t>
             </a:fld>
             <a:endParaRPr lang="de-DE"/>
           </a:p>
@@ -3149,7 +3149,7 @@
           <a:p>
             <a:fld id="{47106164-FC4F-8341-9BF7-6BFA5E1B9C49}" type="datetimeFigureOut">
               <a:rPr lang="de-DE" smtClean="0"/>
-              <a:t>19.06.17</a:t>
+              <a:t>21.06.17</a:t>
             </a:fld>
             <a:endParaRPr lang="de-DE"/>
           </a:p>
@@ -3325,7 +3325,7 @@
           <a:p>
             <a:fld id="{47106164-FC4F-8341-9BF7-6BFA5E1B9C49}" type="datetimeFigureOut">
               <a:rPr lang="de-DE" smtClean="0"/>
-              <a:t>19.06.17</a:t>
+              <a:t>21.06.17</a:t>
             </a:fld>
             <a:endParaRPr lang="de-DE"/>
           </a:p>
@@ -3567,7 +3567,7 @@
           <a:p>
             <a:fld id="{47106164-FC4F-8341-9BF7-6BFA5E1B9C49}" type="datetimeFigureOut">
               <a:rPr lang="de-DE" smtClean="0"/>
-              <a:t>19.06.17</a:t>
+              <a:t>21.06.17</a:t>
             </a:fld>
             <a:endParaRPr lang="de-DE"/>
           </a:p>
@@ -3794,7 +3794,7 @@
           <a:p>
             <a:fld id="{47106164-FC4F-8341-9BF7-6BFA5E1B9C49}" type="datetimeFigureOut">
               <a:rPr lang="de-DE" smtClean="0"/>
-              <a:t>19.06.17</a:t>
+              <a:t>21.06.17</a:t>
             </a:fld>
             <a:endParaRPr lang="de-DE"/>
           </a:p>
@@ -4163,7 +4163,7 @@
           <a:p>
             <a:fld id="{47106164-FC4F-8341-9BF7-6BFA5E1B9C49}" type="datetimeFigureOut">
               <a:rPr lang="de-DE" smtClean="0"/>
-              <a:t>19.06.17</a:t>
+              <a:t>21.06.17</a:t>
             </a:fld>
             <a:endParaRPr lang="de-DE"/>
           </a:p>
@@ -4281,7 +4281,7 @@
           <a:p>
             <a:fld id="{47106164-FC4F-8341-9BF7-6BFA5E1B9C49}" type="datetimeFigureOut">
               <a:rPr lang="de-DE" smtClean="0"/>
-              <a:t>19.06.17</a:t>
+              <a:t>21.06.17</a:t>
             </a:fld>
             <a:endParaRPr lang="de-DE"/>
           </a:p>
@@ -4371,7 +4371,7 @@
           <a:p>
             <a:fld id="{47106164-FC4F-8341-9BF7-6BFA5E1B9C49}" type="datetimeFigureOut">
               <a:rPr lang="de-DE" smtClean="0"/>
-              <a:t>19.06.17</a:t>
+              <a:t>21.06.17</a:t>
             </a:fld>
             <a:endParaRPr lang="de-DE"/>
           </a:p>
@@ -4621,7 +4621,7 @@
           <a:p>
             <a:fld id="{47106164-FC4F-8341-9BF7-6BFA5E1B9C49}" type="datetimeFigureOut">
               <a:rPr lang="de-DE" smtClean="0"/>
-              <a:t>19.06.17</a:t>
+              <a:t>21.06.17</a:t>
             </a:fld>
             <a:endParaRPr lang="de-DE"/>
           </a:p>
@@ -4921,7 +4921,7 @@
           <a:p>
             <a:fld id="{47106164-FC4F-8341-9BF7-6BFA5E1B9C49}" type="datetimeFigureOut">
               <a:rPr lang="de-DE" smtClean="0"/>
-              <a:t>19.06.17</a:t>
+              <a:t>21.06.17</a:t>
             </a:fld>
             <a:endParaRPr lang="de-DE"/>
           </a:p>
@@ -5618,7 +5618,7 @@
           <a:p>
             <a:fld id="{47106164-FC4F-8341-9BF7-6BFA5E1B9C49}" type="datetimeFigureOut">
               <a:rPr lang="de-DE" smtClean="0"/>
-              <a:t>19.06.17</a:t>
+              <a:t>21.06.17</a:t>
             </a:fld>
             <a:endParaRPr lang="de-DE"/>
           </a:p>
@@ -6225,6 +6225,36 @@
           </a:p>
         </p:txBody>
       </p:sp>
+      <p:pic>
+        <p:nvPicPr>
+          <p:cNvPr id="4" name="Bild 3"/>
+          <p:cNvPicPr>
+            <a:picLocks noChangeAspect="1"/>
+          </p:cNvPicPr>
+          <p:nvPr/>
+        </p:nvPicPr>
+        <p:blipFill>
+          <a:blip r:embed="rId2">
+            <a:extLst>
+              <a:ext uri="{28A0092B-C50C-407E-A947-70E740481C1C}">
+                <a14:useLocalDpi xmlns:a14="http://schemas.microsoft.com/office/drawing/2010/main" val="0"/>
+              </a:ext>
+            </a:extLst>
+          </a:blip>
+          <a:stretch>
+            <a:fillRect/>
+          </a:stretch>
+        </p:blipFill>
+        <p:spPr>
+          <a:xfrm>
+            <a:off x="10873047" y="5539047"/>
+            <a:ext cx="1318953" cy="1318953"/>
+          </a:xfrm>
+          <a:prstGeom prst="rect">
+            <a:avLst/>
+          </a:prstGeom>
+        </p:spPr>
+      </p:pic>
     </p:spTree>
     <p:extLst>
       <p:ext uri="{BB962C8B-B14F-4D97-AF65-F5344CB8AC3E}">
@@ -6314,6 +6344,36 @@
           </a:p>
         </p:txBody>
       </p:sp>
+      <p:pic>
+        <p:nvPicPr>
+          <p:cNvPr id="5" name="Bild 4"/>
+          <p:cNvPicPr>
+            <a:picLocks noChangeAspect="1"/>
+          </p:cNvPicPr>
+          <p:nvPr/>
+        </p:nvPicPr>
+        <p:blipFill>
+          <a:blip r:embed="rId3">
+            <a:extLst>
+              <a:ext uri="{28A0092B-C50C-407E-A947-70E740481C1C}">
+                <a14:useLocalDpi xmlns:a14="http://schemas.microsoft.com/office/drawing/2010/main" val="0"/>
+              </a:ext>
+            </a:extLst>
+          </a:blip>
+          <a:stretch>
+            <a:fillRect/>
+          </a:stretch>
+        </p:blipFill>
+        <p:spPr>
+          <a:xfrm>
+            <a:off x="10873047" y="5539047"/>
+            <a:ext cx="1318953" cy="1318953"/>
+          </a:xfrm>
+          <a:prstGeom prst="rect">
+            <a:avLst/>
+          </a:prstGeom>
+        </p:spPr>
+      </p:pic>
     </p:spTree>
     <p:extLst>
       <p:ext uri="{BB962C8B-B14F-4D97-AF65-F5344CB8AC3E}">
@@ -6476,6 +6536,36 @@
           </a:p>
         </p:txBody>
       </p:sp>
+      <p:pic>
+        <p:nvPicPr>
+          <p:cNvPr id="4" name="Bild 3"/>
+          <p:cNvPicPr>
+            <a:picLocks noChangeAspect="1"/>
+          </p:cNvPicPr>
+          <p:nvPr/>
+        </p:nvPicPr>
+        <p:blipFill>
+          <a:blip r:embed="rId2">
+            <a:extLst>
+              <a:ext uri="{28A0092B-C50C-407E-A947-70E740481C1C}">
+                <a14:useLocalDpi xmlns:a14="http://schemas.microsoft.com/office/drawing/2010/main" val="0"/>
+              </a:ext>
+            </a:extLst>
+          </a:blip>
+          <a:stretch>
+            <a:fillRect/>
+          </a:stretch>
+        </p:blipFill>
+        <p:spPr>
+          <a:xfrm>
+            <a:off x="10873047" y="5539047"/>
+            <a:ext cx="1318953" cy="1318953"/>
+          </a:xfrm>
+          <a:prstGeom prst="rect">
+            <a:avLst/>
+          </a:prstGeom>
+        </p:spPr>
+      </p:pic>
     </p:spTree>
     <p:extLst>
       <p:ext uri="{BB962C8B-B14F-4D97-AF65-F5344CB8AC3E}">
@@ -6544,6 +6634,36 @@
           </a:p>
         </p:txBody>
       </p:sp>
+      <p:pic>
+        <p:nvPicPr>
+          <p:cNvPr id="3" name="Bild 2"/>
+          <p:cNvPicPr>
+            <a:picLocks noChangeAspect="1"/>
+          </p:cNvPicPr>
+          <p:nvPr/>
+        </p:nvPicPr>
+        <p:blipFill>
+          <a:blip r:embed="rId2">
+            <a:extLst>
+              <a:ext uri="{28A0092B-C50C-407E-A947-70E740481C1C}">
+                <a14:useLocalDpi xmlns:a14="http://schemas.microsoft.com/office/drawing/2010/main" val="0"/>
+              </a:ext>
+            </a:extLst>
+          </a:blip>
+          <a:stretch>
+            <a:fillRect/>
+          </a:stretch>
+        </p:blipFill>
+        <p:spPr>
+          <a:xfrm>
+            <a:off x="10873047" y="5539047"/>
+            <a:ext cx="1318953" cy="1318953"/>
+          </a:xfrm>
+          <a:prstGeom prst="rect">
+            <a:avLst/>
+          </a:prstGeom>
+        </p:spPr>
+      </p:pic>
     </p:spTree>
     <p:extLst>
       <p:ext uri="{BB962C8B-B14F-4D97-AF65-F5344CB8AC3E}">
@@ -6668,6 +6788,36 @@
           </a:p>
         </p:txBody>
       </p:sp>
+      <p:pic>
+        <p:nvPicPr>
+          <p:cNvPr id="6" name="Bild 5"/>
+          <p:cNvPicPr>
+            <a:picLocks noChangeAspect="1"/>
+          </p:cNvPicPr>
+          <p:nvPr/>
+        </p:nvPicPr>
+        <p:blipFill>
+          <a:blip r:embed="rId2">
+            <a:extLst>
+              <a:ext uri="{28A0092B-C50C-407E-A947-70E740481C1C}">
+                <a14:useLocalDpi xmlns:a14="http://schemas.microsoft.com/office/drawing/2010/main" val="0"/>
+              </a:ext>
+            </a:extLst>
+          </a:blip>
+          <a:stretch>
+            <a:fillRect/>
+          </a:stretch>
+        </p:blipFill>
+        <p:spPr>
+          <a:xfrm>
+            <a:off x="10873047" y="5539047"/>
+            <a:ext cx="1318953" cy="1318953"/>
+          </a:xfrm>
+          <a:prstGeom prst="rect">
+            <a:avLst/>
+          </a:prstGeom>
+        </p:spPr>
+      </p:pic>
     </p:spTree>
     <p:extLst>
       <p:ext uri="{BB962C8B-B14F-4D97-AF65-F5344CB8AC3E}">
@@ -6736,6 +6886,36 @@
           </a:p>
         </p:txBody>
       </p:sp>
+      <p:pic>
+        <p:nvPicPr>
+          <p:cNvPr id="3" name="Bild 2"/>
+          <p:cNvPicPr>
+            <a:picLocks noChangeAspect="1"/>
+          </p:cNvPicPr>
+          <p:nvPr/>
+        </p:nvPicPr>
+        <p:blipFill>
+          <a:blip r:embed="rId2">
+            <a:extLst>
+              <a:ext uri="{28A0092B-C50C-407E-A947-70E740481C1C}">
+                <a14:useLocalDpi xmlns:a14="http://schemas.microsoft.com/office/drawing/2010/main" val="0"/>
+              </a:ext>
+            </a:extLst>
+          </a:blip>
+          <a:stretch>
+            <a:fillRect/>
+          </a:stretch>
+        </p:blipFill>
+        <p:spPr>
+          <a:xfrm>
+            <a:off x="10873047" y="5539047"/>
+            <a:ext cx="1318953" cy="1318953"/>
+          </a:xfrm>
+          <a:prstGeom prst="rect">
+            <a:avLst/>
+          </a:prstGeom>
+        </p:spPr>
+      </p:pic>
     </p:spTree>
     <p:extLst>
       <p:ext uri="{BB962C8B-B14F-4D97-AF65-F5344CB8AC3E}">
@@ -6816,11 +6996,7 @@
           <a:p>
             <a:r>
               <a:rPr lang="de-DE" dirty="0" smtClean="0"/>
-              <a:t>Aufgearbeitetes </a:t>
-            </a:r>
-            <a:r>
-              <a:rPr lang="de-DE" dirty="0" smtClean="0"/>
-              <a:t>Bild wird an Tesseract übergeben</a:t>
+              <a:t>Aufgearbeitetes Bild wird an Tesseract übergeben</a:t>
             </a:r>
           </a:p>
           <a:p>
@@ -6838,6 +7014,36 @@
           </a:p>
         </p:txBody>
       </p:sp>
+      <p:pic>
+        <p:nvPicPr>
+          <p:cNvPr id="4" name="Bild 3"/>
+          <p:cNvPicPr>
+            <a:picLocks noChangeAspect="1"/>
+          </p:cNvPicPr>
+          <p:nvPr/>
+        </p:nvPicPr>
+        <p:blipFill>
+          <a:blip r:embed="rId2">
+            <a:extLst>
+              <a:ext uri="{28A0092B-C50C-407E-A947-70E740481C1C}">
+                <a14:useLocalDpi xmlns:a14="http://schemas.microsoft.com/office/drawing/2010/main" val="0"/>
+              </a:ext>
+            </a:extLst>
+          </a:blip>
+          <a:stretch>
+            <a:fillRect/>
+          </a:stretch>
+        </p:blipFill>
+        <p:spPr>
+          <a:xfrm>
+            <a:off x="10873047" y="5539047"/>
+            <a:ext cx="1318953" cy="1318953"/>
+          </a:xfrm>
+          <a:prstGeom prst="rect">
+            <a:avLst/>
+          </a:prstGeom>
+        </p:spPr>
+      </p:pic>
     </p:spTree>
     <p:extLst>
       <p:ext uri="{BB962C8B-B14F-4D97-AF65-F5344CB8AC3E}">
@@ -6906,6 +7112,36 @@
           </a:p>
         </p:txBody>
       </p:sp>
+      <p:pic>
+        <p:nvPicPr>
+          <p:cNvPr id="3" name="Bild 2"/>
+          <p:cNvPicPr>
+            <a:picLocks noChangeAspect="1"/>
+          </p:cNvPicPr>
+          <p:nvPr/>
+        </p:nvPicPr>
+        <p:blipFill>
+          <a:blip r:embed="rId2">
+            <a:extLst>
+              <a:ext uri="{28A0092B-C50C-407E-A947-70E740481C1C}">
+                <a14:useLocalDpi xmlns:a14="http://schemas.microsoft.com/office/drawing/2010/main" val="0"/>
+              </a:ext>
+            </a:extLst>
+          </a:blip>
+          <a:stretch>
+            <a:fillRect/>
+          </a:stretch>
+        </p:blipFill>
+        <p:spPr>
+          <a:xfrm>
+            <a:off x="10873047" y="5539047"/>
+            <a:ext cx="1318953" cy="1318953"/>
+          </a:xfrm>
+          <a:prstGeom prst="rect">
+            <a:avLst/>
+          </a:prstGeom>
+        </p:spPr>
+      </p:pic>
     </p:spTree>
     <p:extLst>
       <p:ext uri="{BB962C8B-B14F-4D97-AF65-F5344CB8AC3E}">
@@ -6997,7 +7233,6 @@
               <a:rPr lang="de-DE" dirty="0" smtClean="0"/>
               <a:t>Verbesserung der Texterkennung</a:t>
             </a:r>
-            <a:endParaRPr lang="de-DE" dirty="0" smtClean="0"/>
           </a:p>
           <a:p>
             <a:r>
@@ -7028,6 +7263,36 @@
           </a:p>
         </p:txBody>
       </p:sp>
+      <p:pic>
+        <p:nvPicPr>
+          <p:cNvPr id="4" name="Bild 3"/>
+          <p:cNvPicPr>
+            <a:picLocks noChangeAspect="1"/>
+          </p:cNvPicPr>
+          <p:nvPr/>
+        </p:nvPicPr>
+        <p:blipFill>
+          <a:blip r:embed="rId2">
+            <a:extLst>
+              <a:ext uri="{28A0092B-C50C-407E-A947-70E740481C1C}">
+                <a14:useLocalDpi xmlns:a14="http://schemas.microsoft.com/office/drawing/2010/main" val="0"/>
+              </a:ext>
+            </a:extLst>
+          </a:blip>
+          <a:stretch>
+            <a:fillRect/>
+          </a:stretch>
+        </p:blipFill>
+        <p:spPr>
+          <a:xfrm>
+            <a:off x="10873047" y="5539047"/>
+            <a:ext cx="1318953" cy="1318953"/>
+          </a:xfrm>
+          <a:prstGeom prst="rect">
+            <a:avLst/>
+          </a:prstGeom>
+        </p:spPr>
+      </p:pic>
     </p:spTree>
     <p:extLst>
       <p:ext uri="{BB962C8B-B14F-4D97-AF65-F5344CB8AC3E}">
